--- a/gfx/apibricks-logo.pptx
+++ b/gfx/apibricks-logo.pptx
@@ -243,7 +243,7 @@
           <a:p>
             <a:fld id="{5FC0ABF6-185B-BF47-B1A2-30A4DE9D30C8}" type="datetimeFigureOut">
               <a:rPr lang="en-US" smtClean="0"/>
-              <a:t>4/24/16</a:t>
+              <a:t>2/10/17</a:t>
             </a:fld>
             <a:endParaRPr lang="en-US"/>
           </a:p>
@@ -413,7 +413,7 @@
           <a:p>
             <a:fld id="{5FC0ABF6-185B-BF47-B1A2-30A4DE9D30C8}" type="datetimeFigureOut">
               <a:rPr lang="en-US" smtClean="0"/>
-              <a:t>4/24/16</a:t>
+              <a:t>2/10/17</a:t>
             </a:fld>
             <a:endParaRPr lang="en-US"/>
           </a:p>
@@ -593,7 +593,7 @@
           <a:p>
             <a:fld id="{5FC0ABF6-185B-BF47-B1A2-30A4DE9D30C8}" type="datetimeFigureOut">
               <a:rPr lang="en-US" smtClean="0"/>
-              <a:t>4/24/16</a:t>
+              <a:t>2/10/17</a:t>
             </a:fld>
             <a:endParaRPr lang="en-US"/>
           </a:p>
@@ -763,7 +763,7 @@
           <a:p>
             <a:fld id="{5FC0ABF6-185B-BF47-B1A2-30A4DE9D30C8}" type="datetimeFigureOut">
               <a:rPr lang="en-US" smtClean="0"/>
-              <a:t>4/24/16</a:t>
+              <a:t>2/10/17</a:t>
             </a:fld>
             <a:endParaRPr lang="en-US"/>
           </a:p>
@@ -1007,7 +1007,7 @@
           <a:p>
             <a:fld id="{5FC0ABF6-185B-BF47-B1A2-30A4DE9D30C8}" type="datetimeFigureOut">
               <a:rPr lang="en-US" smtClean="0"/>
-              <a:t>4/24/16</a:t>
+              <a:t>2/10/17</a:t>
             </a:fld>
             <a:endParaRPr lang="en-US"/>
           </a:p>
@@ -1239,7 +1239,7 @@
           <a:p>
             <a:fld id="{5FC0ABF6-185B-BF47-B1A2-30A4DE9D30C8}" type="datetimeFigureOut">
               <a:rPr lang="en-US" smtClean="0"/>
-              <a:t>4/24/16</a:t>
+              <a:t>2/10/17</a:t>
             </a:fld>
             <a:endParaRPr lang="en-US"/>
           </a:p>
@@ -1606,7 +1606,7 @@
           <a:p>
             <a:fld id="{5FC0ABF6-185B-BF47-B1A2-30A4DE9D30C8}" type="datetimeFigureOut">
               <a:rPr lang="en-US" smtClean="0"/>
-              <a:t>4/24/16</a:t>
+              <a:t>2/10/17</a:t>
             </a:fld>
             <a:endParaRPr lang="en-US"/>
           </a:p>
@@ -1724,7 +1724,7 @@
           <a:p>
             <a:fld id="{5FC0ABF6-185B-BF47-B1A2-30A4DE9D30C8}" type="datetimeFigureOut">
               <a:rPr lang="en-US" smtClean="0"/>
-              <a:t>4/24/16</a:t>
+              <a:t>2/10/17</a:t>
             </a:fld>
             <a:endParaRPr lang="en-US"/>
           </a:p>
@@ -1819,7 +1819,7 @@
           <a:p>
             <a:fld id="{5FC0ABF6-185B-BF47-B1A2-30A4DE9D30C8}" type="datetimeFigureOut">
               <a:rPr lang="en-US" smtClean="0"/>
-              <a:t>4/24/16</a:t>
+              <a:t>2/10/17</a:t>
             </a:fld>
             <a:endParaRPr lang="en-US"/>
           </a:p>
@@ -2096,7 +2096,7 @@
           <a:p>
             <a:fld id="{5FC0ABF6-185B-BF47-B1A2-30A4DE9D30C8}" type="datetimeFigureOut">
               <a:rPr lang="en-US" smtClean="0"/>
-              <a:t>4/24/16</a:t>
+              <a:t>2/10/17</a:t>
             </a:fld>
             <a:endParaRPr lang="en-US"/>
           </a:p>
@@ -2353,7 +2353,7 @@
           <a:p>
             <a:fld id="{5FC0ABF6-185B-BF47-B1A2-30A4DE9D30C8}" type="datetimeFigureOut">
               <a:rPr lang="en-US" smtClean="0"/>
-              <a:t>4/24/16</a:t>
+              <a:t>2/10/17</a:t>
             </a:fld>
             <a:endParaRPr lang="en-US"/>
           </a:p>
@@ -2566,7 +2566,7 @@
           <a:p>
             <a:fld id="{5FC0ABF6-185B-BF47-B1A2-30A4DE9D30C8}" type="datetimeFigureOut">
               <a:rPr lang="en-US" smtClean="0"/>
-              <a:t>4/24/16</a:t>
+              <a:t>2/10/17</a:t>
             </a:fld>
             <a:endParaRPr lang="en-US"/>
           </a:p>
@@ -2986,9 +2986,7 @@
             <a:avLst/>
           </a:prstGeom>
           <a:solidFill>
-            <a:schemeClr val="accent1">
-              <a:lumMod val="50000"/>
-            </a:schemeClr>
+            <a:schemeClr val="tx1"/>
           </a:solidFill>
           <a:ln>
             <a:noFill/>
@@ -3046,9 +3044,7 @@
             <a:avLst/>
           </a:prstGeom>
           <a:solidFill>
-            <a:schemeClr val="accent1">
-              <a:lumMod val="50000"/>
-            </a:schemeClr>
+            <a:schemeClr val="tx1"/>
           </a:solidFill>
           <a:ln>
             <a:noFill/>
@@ -3106,9 +3102,7 @@
             <a:avLst/>
           </a:prstGeom>
           <a:solidFill>
-            <a:schemeClr val="accent1">
-              <a:lumMod val="50000"/>
-            </a:schemeClr>
+            <a:schemeClr val="tx1"/>
           </a:solidFill>
           <a:ln>
             <a:noFill/>
